--- a/Text/02.화면설계도/3th_Project_화면 설계도(6기_안영우).pptx
+++ b/Text/02.화면설계도/3th_Project_화면 설계도(6기_안영우).pptx
@@ -254,7 +254,7 @@
           <a:p>
             <a:fld id="{4E9214C1-2863-45BA-A7C5-D5EA3C3D4C30}" type="datetimeFigureOut">
               <a:rPr lang="ko-KR" altLang="en-US" smtClean="0"/>
-              <a:t>2019-11-13</a:t>
+              <a:t>2019-11-14</a:t>
             </a:fld>
             <a:endParaRPr lang="ko-KR" altLang="en-US"/>
           </a:p>
@@ -17603,14 +17603,14 @@
           <p:nvPr>
             <p:extLst>
               <p:ext uri="{D42A27DB-BD31-4B8C-83A1-F6EECF244321}">
-                <p14:modId xmlns:p14="http://schemas.microsoft.com/office/powerpoint/2010/main" val="2430439751"/>
+                <p14:modId xmlns:p14="http://schemas.microsoft.com/office/powerpoint/2010/main" val="4062142477"/>
               </p:ext>
             </p:extLst>
           </p:nvPr>
         </p:nvGraphicFramePr>
         <p:xfrm>
           <a:off x="7775575" y="712470"/>
-          <a:ext cx="4319905" cy="5839520"/>
+          <a:ext cx="4319905" cy="5695520"/>
         </p:xfrm>
         <a:graphic>
           <a:graphicData uri="http://schemas.openxmlformats.org/drawingml/2006/table">
@@ -20183,27 +20183,7 @@
                           <a:latin typeface="맑은 고딕" charset="0"/>
                           <a:ea typeface="맑은 고딕" charset="0"/>
                         </a:rPr>
-                        <a:t>시험</a:t>
-                      </a:r>
-                      <a:r>
-                        <a:rPr lang="en-US" altLang="ko-KR" sz="1100" b="0" i="0" strike="noStrike" kern="1200" dirty="0">
-                          <a:solidFill>
-                            <a:srgbClr val="000000"/>
-                          </a:solidFill>
-                          <a:latin typeface="맑은 고딕" charset="0"/>
-                          <a:ea typeface="맑은 고딕" charset="0"/>
-                        </a:rPr>
-                        <a:t> </a:t>
-                      </a:r>
-                      <a:r>
-                        <a:rPr lang="en-US" altLang="ko-KR" sz="1100" b="0" i="0" strike="noStrike" kern="1200" dirty="0" err="1">
-                          <a:solidFill>
-                            <a:srgbClr val="000000"/>
-                          </a:solidFill>
-                          <a:latin typeface="맑은 고딕" charset="0"/>
-                          <a:ea typeface="맑은 고딕" charset="0"/>
-                        </a:rPr>
-                        <a:t>결과</a:t>
+                        <a:t>시험결과</a:t>
                       </a:r>
                       <a:r>
                         <a:rPr lang="en-US" altLang="ko-KR" sz="1100" b="0" i="0" strike="noStrike" kern="1200" dirty="0">
@@ -20344,7 +20324,7 @@
                   </a:ext>
                 </a:extLst>
               </a:tr>
-              <a:tr h="720000">
+              <a:tr h="576000">
                 <a:tc>
                   <a:txBody>
                     <a:bodyPr/>
@@ -20590,24 +20570,15 @@
                         </a:rPr>
                         <a:t>, </a:t>
                       </a:r>
-                      <a:br>
-                        <a:rPr lang="en-US" altLang="ko-KR" sz="1100" b="0" i="0" strike="noStrike" kern="1200" dirty="0">
-                          <a:solidFill>
-                            <a:srgbClr val="000000"/>
-                          </a:solidFill>
-                          <a:latin typeface="맑은 고딕" charset="0"/>
-                          <a:ea typeface="맑은 고딕" charset="0"/>
-                        </a:rPr>
-                      </a:br>
-                      <a:r>
-                        <a:rPr lang="en-US" altLang="ko-KR" sz="1100" b="0" i="0" strike="noStrike" kern="1200" dirty="0">
-                          <a:solidFill>
-                            <a:srgbClr val="000000"/>
-                          </a:solidFill>
-                          <a:latin typeface="맑은 고딕" charset="0"/>
-                          <a:ea typeface="맑은 고딕" charset="0"/>
-                        </a:rPr>
-                        <a:t> </a:t>
+                      <a:r>
+                        <a:rPr lang="ko-KR" altLang="en-US" sz="1100" b="0" i="0" strike="noStrike" kern="1200" dirty="0">
+                          <a:solidFill>
+                            <a:srgbClr val="000000"/>
+                          </a:solidFill>
+                          <a:latin typeface="맑은 고딕" charset="0"/>
+                          <a:ea typeface="맑은 고딕" charset="0"/>
+                        </a:rPr>
+                        <a:t>시</a:t>
                       </a:r>
                       <a:r>
                         <a:rPr lang="en-US" altLang="ko-KR" sz="1100" b="0" i="0" strike="noStrike" kern="1200" dirty="0" err="1">
@@ -20617,27 +20588,7 @@
                           <a:latin typeface="맑은 고딕" charset="0"/>
                           <a:ea typeface="맑은 고딕" charset="0"/>
                         </a:rPr>
-                        <a:t>시험</a:t>
-                      </a:r>
-                      <a:r>
-                        <a:rPr lang="en-US" altLang="ko-KR" sz="1100" b="0" i="0" strike="noStrike" kern="1200" dirty="0">
-                          <a:solidFill>
-                            <a:srgbClr val="000000"/>
-                          </a:solidFill>
-                          <a:latin typeface="맑은 고딕" charset="0"/>
-                          <a:ea typeface="맑은 고딕" charset="0"/>
-                        </a:rPr>
-                        <a:t> </a:t>
-                      </a:r>
-                      <a:r>
-                        <a:rPr lang="en-US" altLang="ko-KR" sz="1100" b="0" i="0" strike="noStrike" kern="1200" dirty="0" err="1">
-                          <a:solidFill>
-                            <a:srgbClr val="000000"/>
-                          </a:solidFill>
-                          <a:latin typeface="맑은 고딕" charset="0"/>
-                          <a:ea typeface="맑은 고딕" charset="0"/>
-                        </a:rPr>
-                        <a:t>선택</a:t>
+                        <a:t>험선택</a:t>
                       </a:r>
                       <a:r>
                         <a:rPr lang="en-US" altLang="ko-KR" sz="1100" b="0" i="0" strike="noStrike" kern="1200" dirty="0">
@@ -22066,7 +22017,7 @@
           <p:nvPr>
             <p:extLst>
               <p:ext uri="{D42A27DB-BD31-4B8C-83A1-F6EECF244321}">
-                <p14:modId xmlns:p14="http://schemas.microsoft.com/office/powerpoint/2010/main" val="1974828314"/>
+                <p14:modId xmlns:p14="http://schemas.microsoft.com/office/powerpoint/2010/main" val="151349063"/>
               </p:ext>
             </p:extLst>
           </p:nvPr>
@@ -22688,7 +22639,7 @@
                           <a:ea typeface="맑은 고딕" charset="0"/>
                           <a:cs typeface="+mn-cs"/>
                         </a:rPr>
-                        <a:t> 클릭 후 시험 결과 페이지로 전송</a:t>
+                        <a:t> 클릭 후 시험결과 페이지로 전송</a:t>
                       </a:r>
                       <a:br>
                         <a:rPr lang="ko-KR" altLang="en-US" sz="1100" b="0" i="0" strike="noStrike" kern="1200" dirty="0">
@@ -28508,7 +28459,7 @@
           <p:nvPr>
             <p:extLst>
               <p:ext uri="{D42A27DB-BD31-4B8C-83A1-F6EECF244321}">
-                <p14:modId xmlns:p14="http://schemas.microsoft.com/office/powerpoint/2010/main" val="273783935"/>
+                <p14:modId xmlns:p14="http://schemas.microsoft.com/office/powerpoint/2010/main" val="4261253031"/>
               </p:ext>
             </p:extLst>
           </p:nvPr>
@@ -29332,7 +29283,7 @@
                 </a:extLst>
               </a:tr>
               <a:tr h="432000">
-                <a:tc rowSpan="2">
+                <a:tc>
                   <a:txBody>
                     <a:bodyPr/>
                     <a:lstStyle/>
@@ -29417,7 +29368,7 @@
                     </a:solidFill>
                   </a:tcPr>
                 </a:tc>
-                <a:tc rowSpan="2">
+                <a:tc>
                   <a:txBody>
                     <a:bodyPr/>
                     <a:lstStyle/>
@@ -29648,251 +29599,6 @@
                 <a:extLst>
                   <a:ext uri="{0D108BD9-81ED-4DB2-BD59-A6C34878D82A}">
                     <a16:rowId xmlns:a16="http://schemas.microsoft.com/office/drawing/2014/main" val="10001"/>
-                  </a:ext>
-                </a:extLst>
-              </a:tr>
-              <a:tr h="432000">
-                <a:tc vMerge="1">
-                  <a:txBody>
-                    <a:bodyPr/>
-                    <a:lstStyle/>
-                    <a:p>
-                      <a:pPr latinLnBrk="1"/>
-                      <a:endParaRPr lang="ko-KR" altLang="en-US"/>
-                    </a:p>
-                  </a:txBody>
-                  <a:tcPr>
-                    <a:lnL w="12700" cap="flat" cmpd="sng" algn="ctr">
-                      <a:solidFill>
-                        <a:srgbClr val="000000">
-                          <a:alpha val="100000"/>
-                        </a:srgbClr>
-                      </a:solidFill>
-                      <a:prstDash val="solid"/>
-                      <a:round/>
-                      <a:headEnd type="none" w="med" len="med"/>
-                      <a:tailEnd type="none" w="med" len="med"/>
-                    </a:lnL>
-                    <a:lnR w="12700" cap="flat" cmpd="sng" algn="ctr">
-                      <a:solidFill>
-                        <a:srgbClr val="000000"/>
-                      </a:solidFill>
-                      <a:prstDash val="solid"/>
-                      <a:round/>
-                      <a:headEnd type="none" w="med" len="med"/>
-                      <a:tailEnd type="none" w="med" len="med"/>
-                    </a:lnR>
-                    <a:lnT w="12700" cap="flat" cmpd="sng" algn="ctr">
-                      <a:solidFill>
-                        <a:srgbClr val="000000"/>
-                      </a:solidFill>
-                      <a:prstDash val="solid"/>
-                      <a:round/>
-                      <a:headEnd type="none" w="med" len="med"/>
-                      <a:tailEnd type="none" w="med" len="med"/>
-                    </a:lnT>
-                    <a:lnB w="12700" cap="flat" cmpd="sng" algn="ctr">
-                      <a:solidFill>
-                        <a:srgbClr val="000000">
-                          <a:alpha val="100000"/>
-                        </a:srgbClr>
-                      </a:solidFill>
-                      <a:prstDash val="solid"/>
-                      <a:round/>
-                      <a:headEnd type="none" w="med" len="med"/>
-                      <a:tailEnd type="none" w="med" len="med"/>
-                    </a:lnB>
-                    <a:solidFill>
-                      <a:schemeClr val="bg1"/>
-                    </a:solidFill>
-                  </a:tcPr>
-                </a:tc>
-                <a:tc vMerge="1">
-                  <a:txBody>
-                    <a:bodyPr/>
-                    <a:lstStyle/>
-                    <a:p>
-                      <a:pPr latinLnBrk="1"/>
-                      <a:endParaRPr lang="ko-KR" altLang="en-US"/>
-                    </a:p>
-                  </a:txBody>
-                  <a:tcPr>
-                    <a:lnL w="12700" cap="flat" cmpd="sng" algn="ctr">
-                      <a:solidFill>
-                        <a:srgbClr val="000000"/>
-                      </a:solidFill>
-                      <a:prstDash val="solid"/>
-                      <a:round/>
-                      <a:headEnd type="none" w="med" len="med"/>
-                      <a:tailEnd type="none" w="med" len="med"/>
-                    </a:lnL>
-                    <a:lnR w="12700" cap="flat" cmpd="sng" algn="ctr">
-                      <a:solidFill>
-                        <a:srgbClr val="000000"/>
-                      </a:solidFill>
-                      <a:prstDash val="solid"/>
-                      <a:round/>
-                      <a:headEnd type="none" w="med" len="med"/>
-                      <a:tailEnd type="none" w="med" len="med"/>
-                    </a:lnR>
-                    <a:lnT w="12700" cap="flat" cmpd="sng" algn="ctr">
-                      <a:solidFill>
-                        <a:srgbClr val="000000"/>
-                      </a:solidFill>
-                      <a:prstDash val="solid"/>
-                      <a:round/>
-                      <a:headEnd type="none" w="med" len="med"/>
-                      <a:tailEnd type="none" w="med" len="med"/>
-                    </a:lnT>
-                    <a:lnB w="12700" cap="flat" cmpd="sng" algn="ctr">
-                      <a:solidFill>
-                        <a:srgbClr val="000000">
-                          <a:alpha val="100000"/>
-                        </a:srgbClr>
-                      </a:solidFill>
-                      <a:prstDash val="solid"/>
-                      <a:round/>
-                      <a:headEnd type="none" w="med" len="med"/>
-                      <a:tailEnd type="none" w="med" len="med"/>
-                    </a:lnB>
-                    <a:solidFill>
-                      <a:schemeClr val="bg1"/>
-                    </a:solidFill>
-                  </a:tcPr>
-                </a:tc>
-                <a:tc>
-                  <a:txBody>
-                    <a:bodyPr/>
-                    <a:lstStyle/>
-                    <a:p>
-                      <a:pPr marL="0" indent="0" algn="l" defTabSz="914400" eaLnBrk="1" fontAlgn="ctr" latinLnBrk="1" hangingPunct="1">
-                        <a:lnSpc>
-                          <a:spcPct val="100000"/>
-                        </a:lnSpc>
-                        <a:spcBef>
-                          <a:spcPts val="0"/>
-                        </a:spcBef>
-                        <a:spcAft>
-                          <a:spcPts val="0"/>
-                        </a:spcAft>
-                        <a:buFontTx/>
-                        <a:buNone/>
-                      </a:pPr>
-                      <a:r>
-                        <a:rPr lang="en-US" altLang="ko-KR" sz="1100" b="0" i="0" strike="noStrike" kern="1200" dirty="0">
-                          <a:solidFill>
-                            <a:srgbClr val="000000"/>
-                          </a:solidFill>
-                          <a:latin typeface="맑은 고딕" charset="0"/>
-                          <a:ea typeface="맑은 고딕" charset="0"/>
-                          <a:cs typeface="+mn-cs"/>
-                        </a:rPr>
-                        <a:t> </a:t>
-                      </a:r>
-                      <a:r>
-                        <a:rPr lang="ko-KR" altLang="en-US" sz="1100" b="0" i="0" strike="noStrike" kern="1200" dirty="0">
-                          <a:solidFill>
-                            <a:srgbClr val="000000"/>
-                          </a:solidFill>
-                          <a:latin typeface="맑은 고딕" charset="0"/>
-                          <a:ea typeface="맑은 고딕" charset="0"/>
-                          <a:cs typeface="+mn-cs"/>
-                        </a:rPr>
-                        <a:t>정답인 보기 앞에는 </a:t>
-                      </a:r>
-                      <a:r>
-                        <a:rPr lang="en-US" altLang="ko-KR" sz="1100" b="0" i="0" strike="noStrike" kern="1200" dirty="0">
-                          <a:solidFill>
-                            <a:srgbClr val="000000"/>
-                          </a:solidFill>
-                          <a:latin typeface="맑은 고딕" charset="0"/>
-                          <a:ea typeface="맑은 고딕" charset="0"/>
-                          <a:cs typeface="+mn-cs"/>
-                        </a:rPr>
-                        <a:t>O, </a:t>
-                      </a:r>
-                      <a:r>
-                        <a:rPr lang="ko-KR" altLang="en-US" sz="1100" b="0" i="0" strike="noStrike" kern="1200" dirty="0">
-                          <a:solidFill>
-                            <a:srgbClr val="000000"/>
-                          </a:solidFill>
-                          <a:latin typeface="맑은 고딕" charset="0"/>
-                          <a:ea typeface="맑은 고딕" charset="0"/>
-                          <a:cs typeface="+mn-cs"/>
-                        </a:rPr>
-                        <a:t>오답인 보기 앞에는 </a:t>
-                      </a:r>
-                      <a:r>
-                        <a:rPr lang="en-US" altLang="ko-KR" sz="1100" b="0" i="0" strike="noStrike" kern="1200" dirty="0">
-                          <a:solidFill>
-                            <a:srgbClr val="000000"/>
-                          </a:solidFill>
-                          <a:latin typeface="맑은 고딕" charset="0"/>
-                          <a:ea typeface="맑은 고딕" charset="0"/>
-                          <a:cs typeface="+mn-cs"/>
-                        </a:rPr>
-                        <a:t>X </a:t>
-                      </a:r>
-                      <a:r>
-                        <a:rPr lang="ko-KR" altLang="en-US" sz="1100" b="0" i="0" strike="noStrike" kern="1200" dirty="0">
-                          <a:solidFill>
-                            <a:srgbClr val="000000"/>
-                          </a:solidFill>
-                          <a:latin typeface="맑은 고딕" charset="0"/>
-                          <a:ea typeface="맑은 고딕" charset="0"/>
-                          <a:cs typeface="+mn-cs"/>
-                        </a:rPr>
-                        <a:t>출력</a:t>
-                      </a:r>
-                    </a:p>
-                  </a:txBody>
-                  <a:tcPr marL="9525" marR="9525" marT="9525" marB="0" anchor="ctr">
-                    <a:lnL w="12700" cap="flat" cmpd="sng" algn="ctr">
-                      <a:solidFill>
-                        <a:srgbClr val="000000"/>
-                      </a:solidFill>
-                      <a:prstDash val="solid"/>
-                      <a:round/>
-                      <a:headEnd type="none" w="med" len="med"/>
-                      <a:tailEnd type="none" w="med" len="med"/>
-                    </a:lnL>
-                    <a:lnR w="12700" cap="flat" cmpd="sng" algn="ctr">
-                      <a:solidFill>
-                        <a:srgbClr val="000000">
-                          <a:alpha val="100000"/>
-                        </a:srgbClr>
-                      </a:solidFill>
-                      <a:prstDash val="solid"/>
-                      <a:round/>
-                      <a:headEnd type="none" w="med" len="med"/>
-                      <a:tailEnd type="none" w="med" len="med"/>
-                    </a:lnR>
-                    <a:lnT w="12700" cap="flat" cmpd="sng" algn="ctr">
-                      <a:solidFill>
-                        <a:srgbClr val="000000"/>
-                      </a:solidFill>
-                      <a:prstDash val="solid"/>
-                      <a:round/>
-                      <a:headEnd type="none" w="med" len="med"/>
-                      <a:tailEnd type="none" w="med" len="med"/>
-                    </a:lnT>
-                    <a:lnB w="12700" cap="flat" cmpd="sng" algn="ctr">
-                      <a:solidFill>
-                        <a:srgbClr val="000000"/>
-                      </a:solidFill>
-                      <a:prstDash val="solid"/>
-                      <a:round/>
-                      <a:headEnd type="none" w="med" len="med"/>
-                      <a:tailEnd type="none" w="med" len="med"/>
-                    </a:lnB>
-                    <a:solidFill>
-                      <a:schemeClr val="bg1"/>
-                    </a:solidFill>
-                  </a:tcPr>
-                </a:tc>
-                <a:extLst>
-                  <a:ext uri="{0D108BD9-81ED-4DB2-BD59-A6C34878D82A}">
-                    <a16:rowId xmlns:a16="http://schemas.microsoft.com/office/drawing/2014/main" val="362394436"/>
                   </a:ext>
                 </a:extLst>
               </a:tr>
@@ -31236,17 +30942,7 @@
                           <a:latin typeface="맑은 고딕" charset="0"/>
                           <a:ea typeface="맑은 고딕" charset="0"/>
                         </a:rPr>
-                        <a:t>]</a:t>
-                      </a:r>
-                      <a:r>
-                        <a:rPr lang="ko-KR" altLang="en-US" sz="1100" b="0" i="0" strike="noStrike" kern="1200" dirty="0">
-                          <a:solidFill>
-                            <a:srgbClr val="000000"/>
-                          </a:solidFill>
-                          <a:latin typeface="맑은 고딕" charset="0"/>
-                          <a:ea typeface="맑은 고딕" charset="0"/>
-                        </a:rPr>
-                        <a:t> </a:t>
+                        <a:t>] </a:t>
                       </a:r>
                       <a:r>
                         <a:rPr lang="ko-KR" altLang="en-US" sz="1100" b="0" i="0" strike="noStrike" kern="1200" dirty="0" err="1">
@@ -31369,7 +31065,7 @@
                   </a:ext>
                 </a:extLst>
               </a:tr>
-              <a:tr h="720000">
+              <a:tr h="576000">
                 <a:tc>
                   <a:txBody>
                     <a:bodyPr/>
@@ -31557,17 +31253,47 @@
                           <a:latin typeface="맑은 고딕" charset="0"/>
                           <a:ea typeface="맑은 고딕" charset="0"/>
                         </a:rPr>
-                        <a:t>시험 </a:t>
-                      </a:r>
-                      <a:r>
-                        <a:rPr lang="ko-KR" altLang="en-US" sz="1100" b="0" i="0" strike="noStrike" kern="1200" dirty="0" err="1">
-                          <a:solidFill>
-                            <a:srgbClr val="000000"/>
-                          </a:solidFill>
-                          <a:latin typeface="맑은 고딕" charset="0"/>
-                          <a:ea typeface="맑은 고딕" charset="0"/>
-                        </a:rPr>
-                        <a:t>재선택</a:t>
+                        <a:t>결과보기</a:t>
+                      </a:r>
+                      <a:r>
+                        <a:rPr lang="en-US" altLang="ko-KR" sz="1100" b="0" i="0" strike="noStrike" kern="1200" dirty="0">
+                          <a:solidFill>
+                            <a:srgbClr val="000000"/>
+                          </a:solidFill>
+                          <a:latin typeface="맑은 고딕" charset="0"/>
+                          <a:ea typeface="맑은 고딕" charset="0"/>
+                        </a:rPr>
+                        <a:t> </a:t>
+                      </a:r>
+                      <a:r>
+                        <a:rPr lang="en-US" altLang="ko-KR" sz="1100" b="0" i="0" strike="noStrike" kern="1200" dirty="0" err="1">
+                          <a:solidFill>
+                            <a:srgbClr val="000000"/>
+                          </a:solidFill>
+                          <a:latin typeface="맑은 고딕" charset="0"/>
+                          <a:ea typeface="맑은 고딕" charset="0"/>
+                        </a:rPr>
+                        <a:t>버튼</a:t>
+                      </a:r>
+                      <a:r>
+                        <a:rPr lang="en-US" altLang="ko-KR" sz="1100" b="0" i="0" strike="noStrike" kern="1200" dirty="0">
+                          <a:solidFill>
+                            <a:srgbClr val="000000"/>
+                          </a:solidFill>
+                          <a:latin typeface="맑은 고딕" charset="0"/>
+                          <a:ea typeface="맑은 고딕" charset="0"/>
+                        </a:rPr>
+                        <a:t>] </a:t>
+                      </a:r>
+                      <a:r>
+                        <a:rPr lang="en-US" altLang="ko-KR" sz="1100" b="0" i="0" strike="noStrike" kern="1200" dirty="0" err="1">
+                          <a:solidFill>
+                            <a:srgbClr val="000000"/>
+                          </a:solidFill>
+                          <a:latin typeface="맑은 고딕" charset="0"/>
+                          <a:ea typeface="맑은 고딕" charset="0"/>
+                        </a:rPr>
+                        <a:t>클릭</a:t>
                       </a:r>
                       <a:r>
                         <a:rPr lang="ko-KR" altLang="en-US" sz="1100" b="0" i="0" strike="noStrike" kern="1200" dirty="0">
@@ -31577,7 +31303,7 @@
                           <a:latin typeface="맑은 고딕" charset="0"/>
                           <a:ea typeface="맑은 고딕" charset="0"/>
                         </a:rPr>
-                        <a:t> 버튼</a:t>
+                        <a:t>시</a:t>
                       </a:r>
                       <a:r>
                         <a:rPr lang="en-US" altLang="ko-KR" sz="1100" b="0" i="0" strike="noStrike" kern="1200" dirty="0">
@@ -31587,7 +31313,47 @@
                           <a:latin typeface="맑은 고딕" charset="0"/>
                           <a:ea typeface="맑은 고딕" charset="0"/>
                         </a:rPr>
-                        <a:t>]</a:t>
+                        <a:t>, </a:t>
+                      </a:r>
+                      <a:r>
+                        <a:rPr lang="en-US" altLang="ko-KR" sz="1100" b="0" i="0" strike="noStrike" kern="1200" dirty="0" err="1">
+                          <a:solidFill>
+                            <a:srgbClr val="000000"/>
+                          </a:solidFill>
+                          <a:latin typeface="맑은 고딕" charset="0"/>
+                          <a:ea typeface="맑은 고딕" charset="0"/>
+                        </a:rPr>
+                        <a:t>시험결과</a:t>
+                      </a:r>
+                      <a:r>
+                        <a:rPr lang="en-US" altLang="ko-KR" sz="1100" b="0" i="0" strike="noStrike" kern="1200" dirty="0">
+                          <a:solidFill>
+                            <a:srgbClr val="000000"/>
+                          </a:solidFill>
+                          <a:latin typeface="맑은 고딕" charset="0"/>
+                          <a:ea typeface="맑은 고딕" charset="0"/>
+                        </a:rPr>
+                        <a:t> </a:t>
+                      </a:r>
+                      <a:r>
+                        <a:rPr lang="en-US" altLang="ko-KR" sz="1100" b="0" i="0" strike="noStrike" kern="1200" dirty="0" err="1">
+                          <a:solidFill>
+                            <a:srgbClr val="000000"/>
+                          </a:solidFill>
+                          <a:latin typeface="맑은 고딕" charset="0"/>
+                          <a:ea typeface="맑은 고딕" charset="0"/>
+                        </a:rPr>
+                        <a:t>페이지로</a:t>
+                      </a:r>
+                      <a:r>
+                        <a:rPr lang="en-US" altLang="ko-KR" sz="1100" b="0" i="0" strike="noStrike" kern="1200" dirty="0">
+                          <a:solidFill>
+                            <a:srgbClr val="000000"/>
+                          </a:solidFill>
+                          <a:latin typeface="맑은 고딕" charset="0"/>
+                          <a:ea typeface="맑은 고딕" charset="0"/>
+                        </a:rPr>
+                        <a:t> </a:t>
                       </a:r>
                       <a:r>
                         <a:rPr lang="ko-KR" altLang="en-US" sz="1100" b="0" i="0" strike="noStrike" kern="1200" dirty="0">
@@ -31597,18 +31363,40 @@
                           <a:latin typeface="맑은 고딕" charset="0"/>
                           <a:ea typeface="맑은 고딕" charset="0"/>
                         </a:rPr>
+                        <a:t>이동</a:t>
+                      </a:r>
+                      <a:r>
+                        <a:rPr lang="en-US" altLang="ko-KR" sz="1100" b="0" i="0" strike="noStrike" kern="1200" dirty="0">
+                          <a:solidFill>
+                            <a:srgbClr val="000000"/>
+                          </a:solidFill>
+                          <a:latin typeface="맑은 고딕" charset="0"/>
+                          <a:ea typeface="맑은 고딕" charset="0"/>
+                        </a:rPr>
                         <a:t> </a:t>
                       </a:r>
-                      <a:r>
-                        <a:rPr lang="ko-KR" altLang="en-US" sz="1100" b="0" i="0" strike="noStrike" kern="1200" dirty="0" err="1">
-                          <a:solidFill>
-                            <a:srgbClr val="000000"/>
-                          </a:solidFill>
-                          <a:latin typeface="맑은 고딕" charset="0"/>
-                          <a:ea typeface="맑은 고딕" charset="0"/>
-                        </a:rPr>
-                        <a:t>클릭시</a:t>
-                      </a:r>
+                      <a:endParaRPr lang="ko-KR" altLang="en-US" sz="1100" b="0" i="0" strike="noStrike" kern="1200" dirty="0">
+                        <a:solidFill>
+                          <a:srgbClr val="000000"/>
+                        </a:solidFill>
+                        <a:latin typeface="맑은 고딕" charset="0"/>
+                        <a:ea typeface="맑은 고딕" charset="0"/>
+                      </a:endParaRPr>
+                    </a:p>
+                    <a:p>
+                      <a:pPr marL="0" indent="0" algn="l" defTabSz="914400" eaLnBrk="1" fontAlgn="ctr" latinLnBrk="1" hangingPunct="1">
+                        <a:lnSpc>
+                          <a:spcPct val="100000"/>
+                        </a:lnSpc>
+                        <a:spcBef>
+                          <a:spcPts val="0"/>
+                        </a:spcBef>
+                        <a:spcAft>
+                          <a:spcPts val="0"/>
+                        </a:spcAft>
+                        <a:buFontTx/>
+                        <a:buNone/>
+                      </a:pPr>
                       <a:r>
                         <a:rPr lang="en-US" altLang="ko-KR" sz="1100" b="0" i="0" strike="noStrike" kern="1200" dirty="0">
                           <a:solidFill>
@@ -31617,95 +31405,7 @@
                           <a:latin typeface="맑은 고딕" charset="0"/>
                           <a:ea typeface="맑은 고딕" charset="0"/>
                         </a:rPr>
-                        <a:t>, </a:t>
-                      </a:r>
-                      <a:br>
-                        <a:rPr lang="en-US" altLang="ko-KR" sz="1100" b="0" i="0" strike="noStrike" kern="1200" dirty="0">
-                          <a:solidFill>
-                            <a:srgbClr val="000000"/>
-                          </a:solidFill>
-                          <a:latin typeface="맑은 고딕" charset="0"/>
-                          <a:ea typeface="맑은 고딕" charset="0"/>
-                        </a:rPr>
-                      </a:br>
-                      <a:r>
-                        <a:rPr lang="en-US" altLang="ko-KR" sz="1100" b="0" i="0" strike="noStrike" kern="1200" dirty="0">
-                          <a:solidFill>
-                            <a:srgbClr val="000000"/>
-                          </a:solidFill>
-                          <a:latin typeface="맑은 고딕" charset="0"/>
-                          <a:ea typeface="맑은 고딕" charset="0"/>
-                        </a:rPr>
-                        <a:t> </a:t>
-                      </a:r>
-                      <a:r>
-                        <a:rPr lang="en-US" altLang="ko-KR" sz="1100" b="0" i="0" strike="noStrike" kern="1200" dirty="0" err="1">
-                          <a:solidFill>
-                            <a:srgbClr val="000000"/>
-                          </a:solidFill>
-                          <a:latin typeface="맑은 고딕" charset="0"/>
-                          <a:ea typeface="맑은 고딕" charset="0"/>
-                        </a:rPr>
-                        <a:t>시험선택</a:t>
-                      </a:r>
-                      <a:r>
-                        <a:rPr lang="en-US" altLang="ko-KR" sz="1100" b="0" i="0" strike="noStrike" kern="1200" dirty="0">
-                          <a:solidFill>
-                            <a:srgbClr val="000000"/>
-                          </a:solidFill>
-                          <a:latin typeface="맑은 고딕" charset="0"/>
-                          <a:ea typeface="맑은 고딕" charset="0"/>
-                        </a:rPr>
-                        <a:t> </a:t>
-                      </a:r>
-                      <a:r>
-                        <a:rPr lang="en-US" altLang="ko-KR" sz="1100" b="0" i="0" strike="noStrike" kern="1200" dirty="0" err="1">
-                          <a:solidFill>
-                            <a:srgbClr val="000000"/>
-                          </a:solidFill>
-                          <a:latin typeface="맑은 고딕" charset="0"/>
-                          <a:ea typeface="맑은 고딕" charset="0"/>
-                        </a:rPr>
-                        <a:t>페이지로</a:t>
-                      </a:r>
-                      <a:r>
-                        <a:rPr lang="en-US" altLang="ko-KR" sz="1100" b="0" i="0" strike="noStrike" kern="1200" dirty="0">
-                          <a:solidFill>
-                            <a:srgbClr val="000000"/>
-                          </a:solidFill>
-                          <a:latin typeface="맑은 고딕" charset="0"/>
-                          <a:ea typeface="맑은 고딕" charset="0"/>
-                        </a:rPr>
-                        <a:t> </a:t>
-                      </a:r>
-                      <a:r>
-                        <a:rPr lang="en-US" altLang="ko-KR" sz="1100" b="0" i="0" strike="noStrike" kern="1200" dirty="0" err="1">
-                          <a:solidFill>
-                            <a:srgbClr val="000000"/>
-                          </a:solidFill>
-                          <a:latin typeface="맑은 고딕" charset="0"/>
-                          <a:ea typeface="맑은 고딕" charset="0"/>
-                        </a:rPr>
-                        <a:t>이동</a:t>
-                      </a:r>
-                      <a:br>
-                        <a:rPr lang="en-US" altLang="ko-KR" sz="1100" b="0" i="0" strike="noStrike" kern="1200" dirty="0">
-                          <a:solidFill>
-                            <a:srgbClr val="000000"/>
-                          </a:solidFill>
-                          <a:latin typeface="맑은 고딕" charset="0"/>
-                          <a:ea typeface="맑은 고딕" charset="0"/>
-                        </a:rPr>
-                      </a:br>
-                      <a:r>
-                        <a:rPr lang="en-US" altLang="ko-KR" sz="1100" b="0" i="0" strike="noStrike" kern="1200" dirty="0">
-                          <a:solidFill>
-                            <a:srgbClr val="000000"/>
-                          </a:solidFill>
-                          <a:latin typeface="맑은 고딕" charset="0"/>
-                          <a:ea typeface="맑은 고딕" charset="0"/>
-                        </a:rPr>
-                        <a:t> (URL : testSelect.html)</a:t>
+                        <a:t> (URL : testResult.html)</a:t>
                       </a:r>
                       <a:endParaRPr lang="ko-KR" altLang="en-US" sz="1100" b="0" i="0" strike="noStrike" kern="1200" dirty="0">
                         <a:solidFill>
@@ -31766,7 +31466,7 @@
                   </a:ext>
                 </a:extLst>
               </a:tr>
-              <a:tr h="432000">
+              <a:tr h="576000">
                 <a:tc>
                   <a:txBody>
                     <a:bodyPr/>
@@ -31836,9 +31536,7 @@
                     </a:lnT>
                     <a:lnB w="12700" cap="flat" cmpd="sng" algn="ctr">
                       <a:solidFill>
-                        <a:srgbClr val="000000">
-                          <a:alpha val="100000"/>
-                        </a:srgbClr>
+                        <a:srgbClr val="000000"/>
                       </a:solidFill>
                       <a:prstDash val="solid"/>
                       <a:round/>
@@ -31908,6 +31606,381 @@
                     </a:lnT>
                     <a:lnB w="12700" cap="flat" cmpd="sng" algn="ctr">
                       <a:solidFill>
+                        <a:srgbClr val="000000"/>
+                      </a:solidFill>
+                      <a:prstDash val="solid"/>
+                      <a:round/>
+                      <a:headEnd type="none" w="med" len="med"/>
+                      <a:tailEnd type="none" w="med" len="med"/>
+                    </a:lnB>
+                    <a:solidFill>
+                      <a:schemeClr val="bg1"/>
+                    </a:solidFill>
+                  </a:tcPr>
+                </a:tc>
+                <a:tc>
+                  <a:txBody>
+                    <a:bodyPr/>
+                    <a:lstStyle/>
+                    <a:p>
+                      <a:pPr marL="0" marR="0" lvl="0" indent="0" algn="l" defTabSz="914400" rtl="0" eaLnBrk="1" fontAlgn="ctr" latinLnBrk="1" hangingPunct="1">
+                        <a:lnSpc>
+                          <a:spcPct val="100000"/>
+                        </a:lnSpc>
+                        <a:spcBef>
+                          <a:spcPts val="0"/>
+                        </a:spcBef>
+                        <a:spcAft>
+                          <a:spcPts val="0"/>
+                        </a:spcAft>
+                        <a:buClrTx/>
+                        <a:buSzTx/>
+                        <a:buFontTx/>
+                        <a:buNone/>
+                        <a:tabLst/>
+                        <a:defRPr/>
+                      </a:pPr>
+                      <a:r>
+                        <a:rPr lang="en-US" altLang="ko-KR" sz="1100" b="0" i="0" strike="noStrike" kern="1200" dirty="0">
+                          <a:solidFill>
+                            <a:srgbClr val="000000"/>
+                          </a:solidFill>
+                          <a:latin typeface="맑은 고딕" charset="0"/>
+                          <a:ea typeface="맑은 고딕" charset="0"/>
+                        </a:rPr>
+                        <a:t> [</a:t>
+                      </a:r>
+                      <a:r>
+                        <a:rPr lang="ko-KR" altLang="en-US" sz="1100" b="0" i="0" strike="noStrike" kern="1200" dirty="0">
+                          <a:solidFill>
+                            <a:srgbClr val="000000"/>
+                          </a:solidFill>
+                          <a:latin typeface="맑은 고딕" charset="0"/>
+                          <a:ea typeface="맑은 고딕" charset="0"/>
+                        </a:rPr>
+                        <a:t>시험 </a:t>
+                      </a:r>
+                      <a:r>
+                        <a:rPr lang="ko-KR" altLang="en-US" sz="1100" b="0" i="0" strike="noStrike" kern="1200" dirty="0" err="1">
+                          <a:solidFill>
+                            <a:srgbClr val="000000"/>
+                          </a:solidFill>
+                          <a:latin typeface="맑은 고딕" charset="0"/>
+                          <a:ea typeface="맑은 고딕" charset="0"/>
+                        </a:rPr>
+                        <a:t>재선택</a:t>
+                      </a:r>
+                      <a:r>
+                        <a:rPr lang="ko-KR" altLang="en-US" sz="1100" b="0" i="0" strike="noStrike" kern="1200" dirty="0">
+                          <a:solidFill>
+                            <a:srgbClr val="000000"/>
+                          </a:solidFill>
+                          <a:latin typeface="맑은 고딕" charset="0"/>
+                          <a:ea typeface="맑은 고딕" charset="0"/>
+                        </a:rPr>
+                        <a:t> 버튼</a:t>
+                      </a:r>
+                      <a:r>
+                        <a:rPr lang="en-US" altLang="ko-KR" sz="1100" b="0" i="0" strike="noStrike" kern="1200" dirty="0">
+                          <a:solidFill>
+                            <a:srgbClr val="000000"/>
+                          </a:solidFill>
+                          <a:latin typeface="맑은 고딕" charset="0"/>
+                          <a:ea typeface="맑은 고딕" charset="0"/>
+                        </a:rPr>
+                        <a:t>] </a:t>
+                      </a:r>
+                      <a:r>
+                        <a:rPr lang="ko-KR" altLang="en-US" sz="1100" b="0" i="0" strike="noStrike" kern="1200" dirty="0" err="1">
+                          <a:solidFill>
+                            <a:srgbClr val="000000"/>
+                          </a:solidFill>
+                          <a:latin typeface="맑은 고딕" charset="0"/>
+                          <a:ea typeface="맑은 고딕" charset="0"/>
+                        </a:rPr>
+                        <a:t>클릭시</a:t>
+                      </a:r>
+                      <a:r>
+                        <a:rPr lang="en-US" altLang="ko-KR" sz="1100" b="0" i="0" strike="noStrike" kern="1200" dirty="0">
+                          <a:solidFill>
+                            <a:srgbClr val="000000"/>
+                          </a:solidFill>
+                          <a:latin typeface="맑은 고딕" charset="0"/>
+                          <a:ea typeface="맑은 고딕" charset="0"/>
+                        </a:rPr>
+                        <a:t>, </a:t>
+                      </a:r>
+                      <a:r>
+                        <a:rPr lang="en-US" altLang="ko-KR" sz="1100" b="0" i="0" strike="noStrike" kern="1200" dirty="0" err="1">
+                          <a:solidFill>
+                            <a:srgbClr val="000000"/>
+                          </a:solidFill>
+                          <a:latin typeface="맑은 고딕" charset="0"/>
+                          <a:ea typeface="맑은 고딕" charset="0"/>
+                        </a:rPr>
+                        <a:t>시험선택</a:t>
+                      </a:r>
+                      <a:r>
+                        <a:rPr lang="en-US" altLang="ko-KR" sz="1100" b="0" i="0" strike="noStrike" kern="1200" dirty="0">
+                          <a:solidFill>
+                            <a:srgbClr val="000000"/>
+                          </a:solidFill>
+                          <a:latin typeface="맑은 고딕" charset="0"/>
+                          <a:ea typeface="맑은 고딕" charset="0"/>
+                        </a:rPr>
+                        <a:t> </a:t>
+                      </a:r>
+                      <a:r>
+                        <a:rPr lang="en-US" altLang="ko-KR" sz="1100" b="0" i="0" strike="noStrike" kern="1200" dirty="0" err="1">
+                          <a:solidFill>
+                            <a:srgbClr val="000000"/>
+                          </a:solidFill>
+                          <a:latin typeface="맑은 고딕" charset="0"/>
+                          <a:ea typeface="맑은 고딕" charset="0"/>
+                        </a:rPr>
+                        <a:t>페이지로</a:t>
+                      </a:r>
+                      <a:r>
+                        <a:rPr lang="en-US" altLang="ko-KR" sz="1100" b="0" i="0" strike="noStrike" kern="1200" dirty="0">
+                          <a:solidFill>
+                            <a:srgbClr val="000000"/>
+                          </a:solidFill>
+                          <a:latin typeface="맑은 고딕" charset="0"/>
+                          <a:ea typeface="맑은 고딕" charset="0"/>
+                        </a:rPr>
+                        <a:t> </a:t>
+                      </a:r>
+                      <a:r>
+                        <a:rPr lang="en-US" altLang="ko-KR" sz="1100" b="0" i="0" strike="noStrike" kern="1200" dirty="0" err="1">
+                          <a:solidFill>
+                            <a:srgbClr val="000000"/>
+                          </a:solidFill>
+                          <a:latin typeface="맑은 고딕" charset="0"/>
+                          <a:ea typeface="맑은 고딕" charset="0"/>
+                        </a:rPr>
+                        <a:t>이동</a:t>
+                      </a:r>
+                      <a:br>
+                        <a:rPr lang="en-US" altLang="ko-KR" sz="1100" b="0" i="0" strike="noStrike" kern="1200" dirty="0">
+                          <a:solidFill>
+                            <a:srgbClr val="000000"/>
+                          </a:solidFill>
+                          <a:latin typeface="맑은 고딕" charset="0"/>
+                          <a:ea typeface="맑은 고딕" charset="0"/>
+                        </a:rPr>
+                      </a:br>
+                      <a:r>
+                        <a:rPr lang="en-US" altLang="ko-KR" sz="1100" b="0" i="0" strike="noStrike" kern="1200" dirty="0">
+                          <a:solidFill>
+                            <a:srgbClr val="000000"/>
+                          </a:solidFill>
+                          <a:latin typeface="맑은 고딕" charset="0"/>
+                          <a:ea typeface="맑은 고딕" charset="0"/>
+                        </a:rPr>
+                        <a:t> (URL : testSelect.html)</a:t>
+                      </a:r>
+                      <a:endParaRPr lang="ko-KR" altLang="en-US" sz="1100" b="0" i="0" strike="noStrike" kern="1200" dirty="0">
+                        <a:solidFill>
+                          <a:srgbClr val="000000"/>
+                        </a:solidFill>
+                        <a:latin typeface="맑은 고딕" charset="0"/>
+                        <a:ea typeface="맑은 고딕" charset="0"/>
+                        <a:cs typeface="+mn-cs"/>
+                      </a:endParaRPr>
+                    </a:p>
+                  </a:txBody>
+                  <a:tcPr marL="9525" marR="9525" marT="9525" marB="0" anchor="ctr">
+                    <a:lnL w="12700" cap="flat" cmpd="sng" algn="ctr">
+                      <a:solidFill>
+                        <a:srgbClr val="000000"/>
+                      </a:solidFill>
+                      <a:prstDash val="solid"/>
+                      <a:round/>
+                      <a:headEnd type="none" w="med" len="med"/>
+                      <a:tailEnd type="none" w="med" len="med"/>
+                    </a:lnL>
+                    <a:lnR w="12700" cap="flat" cmpd="sng" algn="ctr">
+                      <a:solidFill>
+                        <a:srgbClr val="000000">
+                          <a:alpha val="100000"/>
+                        </a:srgbClr>
+                      </a:solidFill>
+                      <a:prstDash val="solid"/>
+                      <a:round/>
+                      <a:headEnd type="none" w="med" len="med"/>
+                      <a:tailEnd type="none" w="med" len="med"/>
+                    </a:lnR>
+                    <a:lnT w="12700" cap="flat" cmpd="sng" algn="ctr">
+                      <a:solidFill>
+                        <a:srgbClr val="000000"/>
+                      </a:solidFill>
+                      <a:prstDash val="solid"/>
+                      <a:round/>
+                      <a:headEnd type="none" w="med" len="med"/>
+                      <a:tailEnd type="none" w="med" len="med"/>
+                    </a:lnT>
+                    <a:lnB w="12700" cap="flat" cmpd="sng" algn="ctr">
+                      <a:solidFill>
+                        <a:srgbClr val="000000"/>
+                      </a:solidFill>
+                      <a:prstDash val="solid"/>
+                      <a:round/>
+                      <a:headEnd type="none" w="med" len="med"/>
+                      <a:tailEnd type="none" w="med" len="med"/>
+                    </a:lnB>
+                    <a:solidFill>
+                      <a:schemeClr val="bg1"/>
+                    </a:solidFill>
+                  </a:tcPr>
+                </a:tc>
+                <a:extLst>
+                  <a:ext uri="{0D108BD9-81ED-4DB2-BD59-A6C34878D82A}">
+                    <a16:rowId xmlns:a16="http://schemas.microsoft.com/office/drawing/2014/main" val="3121840934"/>
+                  </a:ext>
+                </a:extLst>
+              </a:tr>
+              <a:tr h="432000">
+                <a:tc>
+                  <a:txBody>
+                    <a:bodyPr/>
+                    <a:lstStyle/>
+                    <a:p>
+                      <a:pPr marL="0" indent="0" algn="ctr" defTabSz="914400" eaLnBrk="1" latinLnBrk="1" hangingPunct="1">
+                        <a:lnSpc>
+                          <a:spcPct val="100000"/>
+                        </a:lnSpc>
+                        <a:spcBef>
+                          <a:spcPts val="0"/>
+                        </a:spcBef>
+                        <a:spcAft>
+                          <a:spcPts val="0"/>
+                        </a:spcAft>
+                        <a:buFontTx/>
+                        <a:buNone/>
+                      </a:pPr>
+                      <a:r>
+                        <a:rPr lang="en-US" altLang="ko-KR" sz="1000" b="0" i="0" kern="1200" dirty="0">
+                          <a:solidFill>
+                            <a:schemeClr val="tx1"/>
+                          </a:solidFill>
+                          <a:latin typeface="맑은 고딕" charset="0"/>
+                          <a:ea typeface="맑은 고딕" charset="0"/>
+                        </a:rPr>
+                        <a:t>09</a:t>
+                      </a:r>
+                      <a:endParaRPr lang="ko-KR" altLang="en-US" sz="1000" b="0" i="0" kern="1200" dirty="0">
+                        <a:solidFill>
+                          <a:schemeClr val="tx1"/>
+                        </a:solidFill>
+                        <a:latin typeface="맑은 고딕" charset="0"/>
+                        <a:ea typeface="맑은 고딕" charset="0"/>
+                      </a:endParaRPr>
+                    </a:p>
+                  </a:txBody>
+                  <a:tcPr marL="0" marR="0" marT="0" marB="0" anchor="ctr">
+                    <a:lnL w="12700" cap="flat" cmpd="sng" algn="ctr">
+                      <a:solidFill>
+                        <a:srgbClr val="000000">
+                          <a:alpha val="100000"/>
+                        </a:srgbClr>
+                      </a:solidFill>
+                      <a:prstDash val="solid"/>
+                      <a:round/>
+                      <a:headEnd type="none" w="med" len="med"/>
+                      <a:tailEnd type="none" w="med" len="med"/>
+                    </a:lnL>
+                    <a:lnR w="12700" cap="flat" cmpd="sng" algn="ctr">
+                      <a:solidFill>
+                        <a:srgbClr val="000000"/>
+                      </a:solidFill>
+                      <a:prstDash val="solid"/>
+                      <a:round/>
+                      <a:headEnd type="none" w="med" len="med"/>
+                      <a:tailEnd type="none" w="med" len="med"/>
+                    </a:lnR>
+                    <a:lnT w="12700" cap="flat" cmpd="sng" algn="ctr">
+                      <a:solidFill>
+                        <a:srgbClr val="000000"/>
+                      </a:solidFill>
+                      <a:prstDash val="solid"/>
+                      <a:round/>
+                      <a:headEnd type="none" w="med" len="med"/>
+                      <a:tailEnd type="none" w="med" len="med"/>
+                    </a:lnT>
+                    <a:lnB w="12700" cap="flat" cmpd="sng" algn="ctr">
+                      <a:solidFill>
+                        <a:srgbClr val="000000">
+                          <a:alpha val="100000"/>
+                        </a:srgbClr>
+                      </a:solidFill>
+                      <a:prstDash val="solid"/>
+                      <a:round/>
+                      <a:headEnd type="none" w="med" len="med"/>
+                      <a:tailEnd type="none" w="med" len="med"/>
+                    </a:lnB>
+                    <a:solidFill>
+                      <a:schemeClr val="bg1"/>
+                    </a:solidFill>
+                  </a:tcPr>
+                </a:tc>
+                <a:tc>
+                  <a:txBody>
+                    <a:bodyPr/>
+                    <a:lstStyle/>
+                    <a:p>
+                      <a:pPr marL="0" indent="0" algn="ctr" defTabSz="914400" eaLnBrk="1" fontAlgn="ctr" latinLnBrk="1" hangingPunct="1">
+                        <a:lnSpc>
+                          <a:spcPct val="100000"/>
+                        </a:lnSpc>
+                        <a:spcBef>
+                          <a:spcPts val="0"/>
+                        </a:spcBef>
+                        <a:spcAft>
+                          <a:spcPts val="0"/>
+                        </a:spcAft>
+                        <a:buFontTx/>
+                        <a:buNone/>
+                      </a:pPr>
+                      <a:endParaRPr lang="ko-KR" altLang="en-US" sz="1100" b="0" i="0" strike="noStrike" kern="1200" dirty="0">
+                        <a:solidFill>
+                          <a:srgbClr val="000000"/>
+                        </a:solidFill>
+                        <a:latin typeface="맑은 고딕" charset="0"/>
+                        <a:ea typeface="맑은 고딕" charset="0"/>
+                        <a:cs typeface="+mn-cs"/>
+                      </a:endParaRPr>
+                    </a:p>
+                  </a:txBody>
+                  <a:tcPr marL="9525" marR="9525" marT="9525" marB="0" anchor="ctr">
+                    <a:lnL w="12700" cap="flat" cmpd="sng" algn="ctr">
+                      <a:solidFill>
+                        <a:srgbClr val="000000"/>
+                      </a:solidFill>
+                      <a:prstDash val="solid"/>
+                      <a:round/>
+                      <a:headEnd type="none" w="med" len="med"/>
+                      <a:tailEnd type="none" w="med" len="med"/>
+                    </a:lnL>
+                    <a:lnR w="12700" cap="flat" cmpd="sng" algn="ctr">
+                      <a:solidFill>
+                        <a:srgbClr val="000000"/>
+                      </a:solidFill>
+                      <a:prstDash val="solid"/>
+                      <a:round/>
+                      <a:headEnd type="none" w="med" len="med"/>
+                      <a:tailEnd type="none" w="med" len="med"/>
+                    </a:lnR>
+                    <a:lnT w="12700" cap="flat" cmpd="sng" algn="ctr">
+                      <a:solidFill>
+                        <a:srgbClr val="000000"/>
+                      </a:solidFill>
+                      <a:prstDash val="solid"/>
+                      <a:round/>
+                      <a:headEnd type="none" w="med" len="med"/>
+                      <a:tailEnd type="none" w="med" len="med"/>
+                    </a:lnT>
+                    <a:lnB w="12700" cap="flat" cmpd="sng" algn="ctr">
+                      <a:solidFill>
                         <a:srgbClr val="000000">
                           <a:alpha val="100000"/>
                         </a:srgbClr>
@@ -32128,7 +32201,7 @@
                 </a:tc>
                 <a:extLst>
                   <a:ext uri="{0D108BD9-81ED-4DB2-BD59-A6C34878D82A}">
-                    <a16:rowId xmlns:a16="http://schemas.microsoft.com/office/drawing/2014/main" val="3121840934"/>
+                    <a16:rowId xmlns:a16="http://schemas.microsoft.com/office/drawing/2014/main" val="3455272155"/>
                   </a:ext>
                 </a:extLst>
               </a:tr>
@@ -32138,10 +32211,10 @@
       </p:graphicFrame>
       <p:pic>
         <p:nvPicPr>
-          <p:cNvPr id="9" name="그림 8">
+          <p:cNvPr id="3" name="그림 2">
             <a:extLst>
               <a:ext uri="{FF2B5EF4-FFF2-40B4-BE49-F238E27FC236}">
-                <a16:creationId xmlns:a16="http://schemas.microsoft.com/office/drawing/2014/main" id="{5436B9DA-A499-4374-8CDD-24EF10A3A7C6}"/>
+                <a16:creationId xmlns:a16="http://schemas.microsoft.com/office/drawing/2014/main" id="{F571E5B8-9B8C-4120-9663-634E90730BAA}"/>
               </a:ext>
             </a:extLst>
           </p:cNvPr>
@@ -32158,8 +32231,8 @@
         </p:blipFill>
         <p:spPr>
           <a:xfrm>
-            <a:off x="568311" y="1267777"/>
-            <a:ext cx="6410325" cy="4838700"/>
+            <a:off x="716921" y="1240971"/>
+            <a:ext cx="6010275" cy="4743450"/>
           </a:xfrm>
           <a:prstGeom prst="rect">
             <a:avLst/>
